--- a/version-1.0.0/kvdb的使用说明.pptx
+++ b/version-1.0.0/kvdb的使用说明.pptx
@@ -6497,6 +6497,7 @@
                 <a:solidFill>
                   <a:srgbClr val="FF0000"/>
                 </a:solidFill>
+                <a:sym typeface="+mn-ea"/>
               </a:rPr>
               <a:t>kvdb</a:t>
             </a:r>
@@ -6505,14 +6506,16 @@
                 <a:solidFill>
                   <a:srgbClr val="FF0000"/>
                 </a:solidFill>
+                <a:sym typeface="+mn-ea"/>
               </a:rPr>
-              <a:t>数据库的默认用户名</a:t>
+              <a:t>数据库的初始默认用户名</a:t>
             </a:r>
             <a:r>
               <a:rPr lang="en-US" altLang="zh-CN">
                 <a:solidFill>
                   <a:srgbClr val="FF0000"/>
                 </a:solidFill>
+                <a:sym typeface="+mn-ea"/>
               </a:rPr>
               <a:t>/</a:t>
             </a:r>
@@ -6521,6 +6524,7 @@
                 <a:solidFill>
                   <a:srgbClr val="FF0000"/>
                 </a:solidFill>
+                <a:sym typeface="+mn-ea"/>
               </a:rPr>
               <a:t>密码：</a:t>
             </a:r>
@@ -6537,6 +6541,7 @@
                 <a:solidFill>
                   <a:srgbClr val="FF0000"/>
                 </a:solidFill>
+                <a:sym typeface="+mn-ea"/>
               </a:rPr>
               <a:t>admin/password</a:t>
             </a:r>
@@ -6716,6 +6721,7 @@
                 <a:solidFill>
                   <a:srgbClr val="FF0000"/>
                 </a:solidFill>
+                <a:sym typeface="+mn-ea"/>
               </a:rPr>
               <a:t>kvdb</a:t>
             </a:r>
@@ -6724,14 +6730,16 @@
                 <a:solidFill>
                   <a:srgbClr val="FF0000"/>
                 </a:solidFill>
+                <a:sym typeface="+mn-ea"/>
               </a:rPr>
-              <a:t>数据库的默认用户名</a:t>
+              <a:t>数据库的初始默认用户名</a:t>
             </a:r>
             <a:r>
               <a:rPr lang="en-US" altLang="zh-CN">
                 <a:solidFill>
                   <a:srgbClr val="FF0000"/>
                 </a:solidFill>
+                <a:sym typeface="+mn-ea"/>
               </a:rPr>
               <a:t>/</a:t>
             </a:r>
@@ -6740,6 +6748,7 @@
                 <a:solidFill>
                   <a:srgbClr val="FF0000"/>
                 </a:solidFill>
+                <a:sym typeface="+mn-ea"/>
               </a:rPr>
               <a:t>密码：</a:t>
             </a:r>
@@ -6756,6 +6765,7 @@
                 <a:solidFill>
                   <a:srgbClr val="FF0000"/>
                 </a:solidFill>
+                <a:sym typeface="+mn-ea"/>
               </a:rPr>
               <a:t>admin/password</a:t>
             </a:r>
